--- a/docs/ch11/main.pptx
+++ b/docs/ch11/main.pptx
@@ -105,6 +105,11 @@
       </a:defRPr>
     </a:lvl9pPr>
   </p:defaultTextStyle>
+  <p:extLst>
+    <p:ext uri="{EFAFB233-063F-42B5-8137-9DF3F51BA10A}">
+      <p15:sldGuideLst xmlns:p15="http://schemas.microsoft.com/office/powerpoint/2012/main"/>
+    </p:ext>
+  </p:extLst>
 </p:presentation>
 </file>
 
@@ -255,7 +260,7 @@
           <a:p>
             <a:fld id="{C9CFF4AB-1D74-455B-A6F3-A86A0E6AD6F8}" type="datetimeFigureOut">
               <a:rPr lang="zh-CN" altLang="en-US" smtClean="0"/>
-              <a:t>2023/9/9</a:t>
+              <a:t>2023/9/10</a:t>
             </a:fld>
             <a:endParaRPr lang="zh-CN" altLang="en-US"/>
           </a:p>
@@ -453,7 +458,7 @@
           <a:p>
             <a:fld id="{C9CFF4AB-1D74-455B-A6F3-A86A0E6AD6F8}" type="datetimeFigureOut">
               <a:rPr lang="zh-CN" altLang="en-US" smtClean="0"/>
-              <a:t>2023/9/9</a:t>
+              <a:t>2023/9/10</a:t>
             </a:fld>
             <a:endParaRPr lang="zh-CN" altLang="en-US"/>
           </a:p>
@@ -661,7 +666,7 @@
           <a:p>
             <a:fld id="{C9CFF4AB-1D74-455B-A6F3-A86A0E6AD6F8}" type="datetimeFigureOut">
               <a:rPr lang="zh-CN" altLang="en-US" smtClean="0"/>
-              <a:t>2023/9/9</a:t>
+              <a:t>2023/9/10</a:t>
             </a:fld>
             <a:endParaRPr lang="zh-CN" altLang="en-US"/>
           </a:p>
@@ -859,7 +864,7 @@
           <a:p>
             <a:fld id="{C9CFF4AB-1D74-455B-A6F3-A86A0E6AD6F8}" type="datetimeFigureOut">
               <a:rPr lang="zh-CN" altLang="en-US" smtClean="0"/>
-              <a:t>2023/9/9</a:t>
+              <a:t>2023/9/10</a:t>
             </a:fld>
             <a:endParaRPr lang="zh-CN" altLang="en-US"/>
           </a:p>
@@ -1134,7 +1139,7 @@
           <a:p>
             <a:fld id="{C9CFF4AB-1D74-455B-A6F3-A86A0E6AD6F8}" type="datetimeFigureOut">
               <a:rPr lang="zh-CN" altLang="en-US" smtClean="0"/>
-              <a:t>2023/9/9</a:t>
+              <a:t>2023/9/10</a:t>
             </a:fld>
             <a:endParaRPr lang="zh-CN" altLang="en-US"/>
           </a:p>
@@ -1399,7 +1404,7 @@
           <a:p>
             <a:fld id="{C9CFF4AB-1D74-455B-A6F3-A86A0E6AD6F8}" type="datetimeFigureOut">
               <a:rPr lang="zh-CN" altLang="en-US" smtClean="0"/>
-              <a:t>2023/9/9</a:t>
+              <a:t>2023/9/10</a:t>
             </a:fld>
             <a:endParaRPr lang="zh-CN" altLang="en-US"/>
           </a:p>
@@ -1811,7 +1816,7 @@
           <a:p>
             <a:fld id="{C9CFF4AB-1D74-455B-A6F3-A86A0E6AD6F8}" type="datetimeFigureOut">
               <a:rPr lang="zh-CN" altLang="en-US" smtClean="0"/>
-              <a:t>2023/9/9</a:t>
+              <a:t>2023/9/10</a:t>
             </a:fld>
             <a:endParaRPr lang="zh-CN" altLang="en-US"/>
           </a:p>
@@ -1952,7 +1957,7 @@
           <a:p>
             <a:fld id="{C9CFF4AB-1D74-455B-A6F3-A86A0E6AD6F8}" type="datetimeFigureOut">
               <a:rPr lang="zh-CN" altLang="en-US" smtClean="0"/>
-              <a:t>2023/9/9</a:t>
+              <a:t>2023/9/10</a:t>
             </a:fld>
             <a:endParaRPr lang="zh-CN" altLang="en-US"/>
           </a:p>
@@ -2065,7 +2070,7 @@
           <a:p>
             <a:fld id="{C9CFF4AB-1D74-455B-A6F3-A86A0E6AD6F8}" type="datetimeFigureOut">
               <a:rPr lang="zh-CN" altLang="en-US" smtClean="0"/>
-              <a:t>2023/9/9</a:t>
+              <a:t>2023/9/10</a:t>
             </a:fld>
             <a:endParaRPr lang="zh-CN" altLang="en-US"/>
           </a:p>
@@ -2376,7 +2381,7 @@
           <a:p>
             <a:fld id="{C9CFF4AB-1D74-455B-A6F3-A86A0E6AD6F8}" type="datetimeFigureOut">
               <a:rPr lang="zh-CN" altLang="en-US" smtClean="0"/>
-              <a:t>2023/9/9</a:t>
+              <a:t>2023/9/10</a:t>
             </a:fld>
             <a:endParaRPr lang="zh-CN" altLang="en-US"/>
           </a:p>
@@ -2664,7 +2669,7 @@
           <a:p>
             <a:fld id="{C9CFF4AB-1D74-455B-A6F3-A86A0E6AD6F8}" type="datetimeFigureOut">
               <a:rPr lang="zh-CN" altLang="en-US" smtClean="0"/>
-              <a:t>2023/9/9</a:t>
+              <a:t>2023/9/10</a:t>
             </a:fld>
             <a:endParaRPr lang="zh-CN" altLang="en-US"/>
           </a:p>
@@ -2905,7 +2910,7 @@
           <a:p>
             <a:fld id="{C9CFF4AB-1D74-455B-A6F3-A86A0E6AD6F8}" type="datetimeFigureOut">
               <a:rPr lang="zh-CN" altLang="en-US" smtClean="0"/>
-              <a:t>2023/9/9</a:t>
+              <a:t>2023/9/10</a:t>
             </a:fld>
             <a:endParaRPr lang="zh-CN" altLang="en-US"/>
           </a:p>
@@ -3322,8 +3327,8 @@
           <a:chExt cx="0" cy="0"/>
         </a:xfrm>
       </p:grpSpPr>
-      <mc:AlternateContent xmlns:mc="http://schemas.openxmlformats.org/markup-compatibility/2006">
-        <mc:Choice xmlns:a14="http://schemas.microsoft.com/office/drawing/2010/main" Requires="a14">
+      <mc:AlternateContent xmlns:mc="http://schemas.openxmlformats.org/markup-compatibility/2006" xmlns:a14="http://schemas.microsoft.com/office/drawing/2010/main">
+        <mc:Choice Requires="a14">
           <p:sp>
             <p:nvSpPr>
               <p:cNvPr id="4" name="矩形 3">
@@ -3478,7 +3483,7 @@
             </p:txBody>
           </p:sp>
         </mc:Choice>
-        <mc:Fallback>
+        <mc:Fallback xmlns="">
           <p:sp>
             <p:nvSpPr>
               <p:cNvPr id="4" name="矩形 3">
@@ -3564,8 +3569,8 @@
           </a:fontRef>
         </p:style>
       </p:cxnSp>
-      <mc:AlternateContent xmlns:mc="http://schemas.openxmlformats.org/markup-compatibility/2006">
-        <mc:Choice xmlns:a14="http://schemas.microsoft.com/office/drawing/2010/main" Requires="a14">
+      <mc:AlternateContent xmlns:mc="http://schemas.openxmlformats.org/markup-compatibility/2006" xmlns:a14="http://schemas.microsoft.com/office/drawing/2010/main">
+        <mc:Choice Requires="a14">
           <p:sp>
             <p:nvSpPr>
               <p:cNvPr id="7" name="文本框 6">
@@ -3594,6 +3599,7 @@
               </a:bodyPr>
               <a:lstStyle/>
               <a:p>
+                <a:pPr/>
                 <a14:m>
                   <m:oMathPara xmlns:m="http://schemas.openxmlformats.org/officeDocument/2006/math">
                     <m:oMathParaPr>
@@ -3633,7 +3639,7 @@
             </p:txBody>
           </p:sp>
         </mc:Choice>
-        <mc:Fallback>
+        <mc:Fallback xmlns="">
           <p:sp>
             <p:nvSpPr>
               <p:cNvPr id="7" name="文本框 6">
@@ -3678,8 +3684,8 @@
           </p:sp>
         </mc:Fallback>
       </mc:AlternateContent>
-      <mc:AlternateContent xmlns:mc="http://schemas.openxmlformats.org/markup-compatibility/2006">
-        <mc:Choice xmlns:a14="http://schemas.microsoft.com/office/drawing/2010/main" Requires="a14">
+      <mc:AlternateContent xmlns:mc="http://schemas.openxmlformats.org/markup-compatibility/2006" xmlns:a14="http://schemas.microsoft.com/office/drawing/2010/main">
+        <mc:Choice Requires="a14">
           <p:sp>
             <p:nvSpPr>
               <p:cNvPr id="11" name="文本框 10">
@@ -3749,7 +3755,7 @@
             </p:txBody>
           </p:sp>
         </mc:Choice>
-        <mc:Fallback>
+        <mc:Fallback xmlns="">
           <p:sp>
             <p:nvSpPr>
               <p:cNvPr id="11" name="文本框 10">
@@ -3973,8 +3979,8 @@
           </a:p>
         </p:txBody>
       </p:sp>
-      <mc:AlternateContent xmlns:mc="http://schemas.openxmlformats.org/markup-compatibility/2006">
-        <mc:Choice xmlns:a14="http://schemas.microsoft.com/office/drawing/2010/main" Requires="a14">
+      <mc:AlternateContent xmlns:mc="http://schemas.openxmlformats.org/markup-compatibility/2006" xmlns:a14="http://schemas.microsoft.com/office/drawing/2010/main">
+        <mc:Choice Requires="a14">
           <p:sp>
             <p:nvSpPr>
               <p:cNvPr id="16" name="文本框 15">
@@ -4057,7 +4063,7 @@
             </p:txBody>
           </p:sp>
         </mc:Choice>
-        <mc:Fallback>
+        <mc:Fallback xmlns="">
           <p:sp>
             <p:nvSpPr>
               <p:cNvPr id="16" name="文本框 15">
@@ -4188,8 +4194,8 @@
           </a:fontRef>
         </p:style>
       </p:cxnSp>
-      <mc:AlternateContent xmlns:mc="http://schemas.openxmlformats.org/markup-compatibility/2006">
-        <mc:Choice xmlns:a14="http://schemas.microsoft.com/office/drawing/2010/main" Requires="a14">
+      <mc:AlternateContent xmlns:mc="http://schemas.openxmlformats.org/markup-compatibility/2006" xmlns:a14="http://schemas.microsoft.com/office/drawing/2010/main">
+        <mc:Choice Requires="a14">
           <p:sp>
             <p:nvSpPr>
               <p:cNvPr id="21" name="文本框 20">
@@ -4218,6 +4224,7 @@
               </a:bodyPr>
               <a:lstStyle/>
               <a:p>
+                <a:pPr/>
                 <a14:m>
                   <m:oMathPara xmlns:m="http://schemas.openxmlformats.org/officeDocument/2006/math">
                     <m:oMathParaPr>
@@ -4238,7 +4245,7 @@
             </p:txBody>
           </p:sp>
         </mc:Choice>
-        <mc:Fallback>
+        <mc:Fallback xmlns="">
           <p:sp>
             <p:nvSpPr>
               <p:cNvPr id="21" name="文本框 20">
@@ -4283,8 +4290,8 @@
           </p:sp>
         </mc:Fallback>
       </mc:AlternateContent>
-      <mc:AlternateContent xmlns:mc="http://schemas.openxmlformats.org/markup-compatibility/2006">
-        <mc:Choice xmlns:a14="http://schemas.microsoft.com/office/drawing/2010/main" Requires="a14">
+      <mc:AlternateContent xmlns:mc="http://schemas.openxmlformats.org/markup-compatibility/2006" xmlns:a14="http://schemas.microsoft.com/office/drawing/2010/main">
+        <mc:Choice Requires="a14">
           <p:sp>
             <p:nvSpPr>
               <p:cNvPr id="22" name="文本框 21">
@@ -4313,6 +4320,7 @@
               </a:bodyPr>
               <a:lstStyle/>
               <a:p>
+                <a:pPr/>
                 <a14:m>
                   <m:oMathPara xmlns:m="http://schemas.openxmlformats.org/officeDocument/2006/math">
                     <m:oMathParaPr>
@@ -4382,7 +4390,7 @@
             </p:txBody>
           </p:sp>
         </mc:Choice>
-        <mc:Fallback>
+        <mc:Fallback xmlns="">
           <p:sp>
             <p:nvSpPr>
               <p:cNvPr id="22" name="文本框 21">
@@ -4443,7 +4451,7 @@
             </p:nvSpPr>
             <p:spPr>
               <a:xfrm>
-                <a:off x="7133142" y="2257912"/>
+                <a:off x="7689570" y="2231529"/>
                 <a:ext cx="909223" cy="276999"/>
               </a:xfrm>
               <a:prstGeom prst="rect">
@@ -4457,6 +4465,7 @@
               </a:bodyPr>
               <a:lstStyle/>
               <a:p>
+                <a:pPr/>
                 <a14:m>
                   <m:oMathPara xmlns:m="http://schemas.openxmlformats.org/officeDocument/2006/math">
                     <m:oMathParaPr>
@@ -4562,7 +4571,7 @@
             </p:nvSpPr>
             <p:spPr>
               <a:xfrm>
-                <a:off x="7133142" y="2257912"/>
+                <a:off x="7689570" y="2231529"/>
                 <a:ext cx="909223" cy="276999"/>
               </a:xfrm>
               <a:prstGeom prst="rect">
@@ -4571,7 +4580,7 @@
               <a:blipFill>
                 <a:blip r:embed="rId8"/>
                 <a:stretch>
-                  <a:fillRect l="-7383" t="-2174" r="-8725" b="-32609"/>
+                  <a:fillRect l="-7333" t="-2174" r="-8000" b="-32609"/>
                 </a:stretch>
               </a:blipFill>
             </p:spPr>
@@ -4632,8 +4641,8 @@
           </a:fontRef>
         </p:style>
       </p:cxnSp>
-      <mc:AlternateContent xmlns:mc="http://schemas.openxmlformats.org/markup-compatibility/2006">
-        <mc:Choice xmlns:a14="http://schemas.microsoft.com/office/drawing/2010/main" Requires="a14">
+      <mc:AlternateContent xmlns:mc="http://schemas.openxmlformats.org/markup-compatibility/2006" xmlns:a14="http://schemas.microsoft.com/office/drawing/2010/main">
+        <mc:Choice Requires="a14">
           <p:sp>
             <p:nvSpPr>
               <p:cNvPr id="26" name="文本框 25">
@@ -4662,6 +4671,7 @@
               </a:bodyPr>
               <a:lstStyle/>
               <a:p>
+                <a:pPr/>
                 <a14:m>
                   <m:oMathPara xmlns:m="http://schemas.openxmlformats.org/officeDocument/2006/math">
                     <m:oMathParaPr>
@@ -4701,7 +4711,7 @@
             </p:txBody>
           </p:sp>
         </mc:Choice>
-        <mc:Fallback>
+        <mc:Fallback xmlns="">
           <p:sp>
             <p:nvSpPr>
               <p:cNvPr id="26" name="文本框 25">
@@ -4916,8 +4926,8 @@
           </a:p>
         </p:txBody>
       </p:sp>
-      <mc:AlternateContent xmlns:mc="http://schemas.openxmlformats.org/markup-compatibility/2006">
-        <mc:Choice xmlns:a14="http://schemas.microsoft.com/office/drawing/2010/main" Requires="a14">
+      <mc:AlternateContent xmlns:mc="http://schemas.openxmlformats.org/markup-compatibility/2006" xmlns:a14="http://schemas.microsoft.com/office/drawing/2010/main">
+        <mc:Choice Requires="a14">
           <p:sp>
             <p:nvSpPr>
               <p:cNvPr id="8" name="文本框 7">
@@ -4946,6 +4956,7 @@
               </a:bodyPr>
               <a:lstStyle/>
               <a:p>
+                <a:pPr/>
                 <a14:m>
                   <m:oMathPara xmlns:m="http://schemas.openxmlformats.org/officeDocument/2006/math">
                     <m:oMathParaPr>
@@ -4966,7 +4977,7 @@
             </p:txBody>
           </p:sp>
         </mc:Choice>
-        <mc:Fallback>
+        <mc:Fallback xmlns="">
           <p:sp>
             <p:nvSpPr>
               <p:cNvPr id="8" name="文本框 7">
@@ -5011,8 +5022,8 @@
           </p:sp>
         </mc:Fallback>
       </mc:AlternateContent>
-      <mc:AlternateContent xmlns:mc="http://schemas.openxmlformats.org/markup-compatibility/2006">
-        <mc:Choice xmlns:a14="http://schemas.microsoft.com/office/drawing/2010/main" Requires="a14">
+      <mc:AlternateContent xmlns:mc="http://schemas.openxmlformats.org/markup-compatibility/2006" xmlns:a14="http://schemas.microsoft.com/office/drawing/2010/main">
+        <mc:Choice Requires="a14">
           <p:sp>
             <p:nvSpPr>
               <p:cNvPr id="9" name="文本框 8">
@@ -5041,6 +5052,7 @@
               </a:bodyPr>
               <a:lstStyle/>
               <a:p>
+                <a:pPr/>
                 <a14:m>
                   <m:oMathPara xmlns:m="http://schemas.openxmlformats.org/officeDocument/2006/math">
                     <m:oMathParaPr>
@@ -5061,7 +5073,7 @@
             </p:txBody>
           </p:sp>
         </mc:Choice>
-        <mc:Fallback>
+        <mc:Fallback xmlns="">
           <p:sp>
             <p:nvSpPr>
               <p:cNvPr id="9" name="文本框 8">
@@ -5106,8 +5118,8 @@
           </p:sp>
         </mc:Fallback>
       </mc:AlternateContent>
-      <mc:AlternateContent xmlns:mc="http://schemas.openxmlformats.org/markup-compatibility/2006">
-        <mc:Choice xmlns:a14="http://schemas.microsoft.com/office/drawing/2010/main" Requires="a14">
+      <mc:AlternateContent xmlns:mc="http://schemas.openxmlformats.org/markup-compatibility/2006" xmlns:a14="http://schemas.microsoft.com/office/drawing/2010/main">
+        <mc:Choice Requires="a14">
           <p:sp>
             <p:nvSpPr>
               <p:cNvPr id="10" name="文本框 9">
@@ -5136,6 +5148,7 @@
               </a:bodyPr>
               <a:lstStyle/>
               <a:p>
+                <a:pPr/>
                 <a14:m>
                   <m:oMathPara xmlns:m="http://schemas.openxmlformats.org/officeDocument/2006/math">
                     <m:oMathParaPr>
@@ -5186,7 +5199,7 @@
             </p:txBody>
           </p:sp>
         </mc:Choice>
-        <mc:Fallback>
+        <mc:Fallback xmlns="">
           <p:sp>
             <p:nvSpPr>
               <p:cNvPr id="10" name="文本框 9">
